--- a/resources/Java avancé.pptx
+++ b/resources/Java avancé.pptx
@@ -5,7 +5,7 @@
     <p:sldMasterId id="2147483658" r:id="rId2"/>
   </p:sldMasterIdLst>
   <p:notesMasterIdLst>
-    <p:notesMasterId r:id="rId31"/>
+    <p:notesMasterId r:id="rId40"/>
   </p:notesMasterIdLst>
   <p:sldIdLst>
     <p:sldId id="256" r:id="rId3"/>
@@ -26,16 +26,25 @@
     <p:sldId id="271" r:id="rId18"/>
     <p:sldId id="272" r:id="rId19"/>
     <p:sldId id="273" r:id="rId20"/>
-    <p:sldId id="263" r:id="rId21"/>
-    <p:sldId id="278" r:id="rId22"/>
-    <p:sldId id="279" r:id="rId23"/>
-    <p:sldId id="280" r:id="rId24"/>
-    <p:sldId id="281" r:id="rId25"/>
-    <p:sldId id="282" r:id="rId26"/>
-    <p:sldId id="283" r:id="rId27"/>
-    <p:sldId id="284" r:id="rId28"/>
-    <p:sldId id="285" r:id="rId29"/>
-    <p:sldId id="286" r:id="rId30"/>
+    <p:sldId id="287" r:id="rId21"/>
+    <p:sldId id="263" r:id="rId22"/>
+    <p:sldId id="278" r:id="rId23"/>
+    <p:sldId id="279" r:id="rId24"/>
+    <p:sldId id="280" r:id="rId25"/>
+    <p:sldId id="281" r:id="rId26"/>
+    <p:sldId id="282" r:id="rId27"/>
+    <p:sldId id="283" r:id="rId28"/>
+    <p:sldId id="284" r:id="rId29"/>
+    <p:sldId id="285" r:id="rId30"/>
+    <p:sldId id="286" r:id="rId31"/>
+    <p:sldId id="289" r:id="rId32"/>
+    <p:sldId id="290" r:id="rId33"/>
+    <p:sldId id="291" r:id="rId34"/>
+    <p:sldId id="292" r:id="rId35"/>
+    <p:sldId id="293" r:id="rId36"/>
+    <p:sldId id="294" r:id="rId37"/>
+    <p:sldId id="295" r:id="rId38"/>
+    <p:sldId id="288" r:id="rId39"/>
   </p:sldIdLst>
   <p:sldSz cx="9144000" cy="6858000" type="screen4x3"/>
   <p:notesSz cx="6858000" cy="9144000"/>
@@ -236,7 +245,7 @@
             <a:fld id="{3842907C-D0AA-4C58-9F94-58B40AD65B29}" type="datetimeFigureOut">
               <a:rPr lang="fr-FR"/>
               <a:pPr/>
-              <a:t>27/11/2017</a:t>
+              <a:t>29/11/2017</a:t>
             </a:fld>
             <a:endParaRPr lang="fr-FR"/>
           </a:p>
@@ -1230,7 +1239,7 @@
             <a:fld id="{1D76769E-C829-4283-B80E-CB90D995C291}" type="slidenum">
               <a:rPr lang="fr-FR" smtClean="0"/>
               <a:pPr/>
-              <a:t>19</a:t>
+              <a:t>20</a:t>
             </a:fld>
             <a:endParaRPr lang="fr-FR"/>
           </a:p>
@@ -1312,7 +1321,7 @@
             <a:fld id="{1D76769E-C829-4283-B80E-CB90D995C291}" type="slidenum">
               <a:rPr lang="fr-FR" smtClean="0"/>
               <a:pPr/>
-              <a:t>20</a:t>
+              <a:t>21</a:t>
             </a:fld>
             <a:endParaRPr lang="fr-FR"/>
           </a:p>
@@ -1394,7 +1403,7 @@
             <a:fld id="{1D76769E-C829-4283-B80E-CB90D995C291}" type="slidenum">
               <a:rPr lang="fr-FR" smtClean="0"/>
               <a:pPr/>
-              <a:t>21</a:t>
+              <a:t>22</a:t>
             </a:fld>
             <a:endParaRPr lang="fr-FR"/>
           </a:p>
@@ -1558,7 +1567,7 @@
             <a:fld id="{1D76769E-C829-4283-B80E-CB90D995C291}" type="slidenum">
               <a:rPr lang="fr-FR" smtClean="0"/>
               <a:pPr/>
-              <a:t>22</a:t>
+              <a:t>23</a:t>
             </a:fld>
             <a:endParaRPr lang="fr-FR"/>
           </a:p>
@@ -1640,7 +1649,7 @@
             <a:fld id="{1D76769E-C829-4283-B80E-CB90D995C291}" type="slidenum">
               <a:rPr lang="fr-FR" smtClean="0"/>
               <a:pPr/>
-              <a:t>23</a:t>
+              <a:t>24</a:t>
             </a:fld>
             <a:endParaRPr lang="fr-FR"/>
           </a:p>
@@ -2844,7 +2853,7 @@
             <a:fld id="{E6E13C79-1C97-4B32-B2AE-1A69C169643E}" type="datetime2">
               <a:rPr lang="fr-FR"/>
               <a:pPr/>
-              <a:t>lundi 27 novembre 2017</a:t>
+              <a:t>mercredi 29 novembre 2017</a:t>
             </a:fld>
             <a:endParaRPr lang="fr-FR">
               <a:solidFill>
@@ -3048,7 +3057,7 @@
             <a:fld id="{D10E14BF-C004-4398-9186-5EE680724D95}" type="datetime2">
               <a:rPr lang="fr-FR"/>
               <a:pPr/>
-              <a:t>lundi 27 novembre 2017</a:t>
+              <a:t>mercredi 29 novembre 2017</a:t>
             </a:fld>
             <a:endParaRPr lang="fr-FR"/>
           </a:p>
@@ -3229,7 +3238,7 @@
             <a:fld id="{D10E14BF-C004-4398-9186-5EE680724D95}" type="datetime2">
               <a:rPr lang="fr-FR"/>
               <a:pPr/>
-              <a:t>lundi 27 novembre 2017</a:t>
+              <a:t>mercredi 29 novembre 2017</a:t>
             </a:fld>
             <a:endParaRPr lang="fr-FR"/>
           </a:p>
@@ -3378,7 +3387,7 @@
             <a:fld id="{227FEF5B-F2CC-4EC5-8F1F-29A8BF9EFFA9}" type="datetime2">
               <a:rPr lang="fr-FR"/>
               <a:pPr/>
-              <a:t>lundi 27 novembre 2017</a:t>
+              <a:t>mercredi 29 novembre 2017</a:t>
             </a:fld>
             <a:endParaRPr lang="fr-FR"/>
           </a:p>
@@ -3625,7 +3634,7 @@
             <a:fld id="{5F4709C1-563D-4D9C-B702-B64C84A5A174}" type="datetime2">
               <a:rPr lang="fr-FR"/>
               <a:pPr/>
-              <a:t>lundi 27 novembre 2017</a:t>
+              <a:t>mercredi 29 novembre 2017</a:t>
             </a:fld>
             <a:endParaRPr lang="fr-FR"/>
           </a:p>
@@ -4024,7 +4033,7 @@
             <a:fld id="{2E8303D9-A6EB-41FB-BF22-3F49E470997E}" type="datetime2">
               <a:rPr lang="fr-FR"/>
               <a:pPr/>
-              <a:t>lundi 27 novembre 2017</a:t>
+              <a:t>mercredi 29 novembre 2017</a:t>
             </a:fld>
             <a:endParaRPr lang="fr-FR"/>
           </a:p>
@@ -4460,7 +4469,7 @@
             <a:fld id="{89BB0534-5698-4F62-9CFE-5DE61A073E78}" type="datetime2">
               <a:rPr lang="fr-FR"/>
               <a:pPr/>
-              <a:t>lundi 27 novembre 2017</a:t>
+              <a:t>mercredi 29 novembre 2017</a:t>
             </a:fld>
             <a:endParaRPr lang="fr-FR"/>
           </a:p>
@@ -4557,7 +4566,7 @@
             <a:fld id="{084827A3-B249-4F87-AB1A-1E06AC1AA2A4}" type="datetime2">
               <a:rPr lang="fr-FR"/>
               <a:pPr/>
-              <a:t>lundi 27 novembre 2017</a:t>
+              <a:t>mercredi 29 novembre 2017</a:t>
             </a:fld>
             <a:endParaRPr lang="fr-FR"/>
           </a:p>
@@ -4671,7 +4680,7 @@
             <a:fld id="{B1546142-29B2-49CC-BCC6-A3AD70B4960E}" type="datetime2">
               <a:rPr lang="fr-FR"/>
               <a:pPr/>
-              <a:t>lundi 27 novembre 2017</a:t>
+              <a:t>mercredi 29 novembre 2017</a:t>
             </a:fld>
             <a:endParaRPr lang="fr-FR"/>
           </a:p>
@@ -4939,7 +4948,7 @@
             <a:fld id="{E86C4691-4882-40A8-AF62-8CF6A18D40B2}" type="datetime2">
               <a:rPr lang="fr-FR"/>
               <a:pPr/>
-              <a:t>lundi 27 novembre 2017</a:t>
+              <a:t>mercredi 29 novembre 2017</a:t>
             </a:fld>
             <a:endParaRPr lang="fr-FR"/>
           </a:p>
@@ -5141,7 +5150,7 @@
             <a:fld id="{61C6776A-4DEC-47EE-8A49-2C150ECB5465}" type="datetime2">
               <a:rPr lang="fr-FR"/>
               <a:pPr/>
-              <a:t>lundi 27 novembre 2017</a:t>
+              <a:t>mercredi 29 novembre 2017</a:t>
             </a:fld>
             <a:endParaRPr lang="fr-FR">
               <a:solidFill>
@@ -6269,7 +6278,7 @@
             <a:fld id="{D10E14BF-C004-4398-9186-5EE680724D95}" type="datetime2">
               <a:rPr lang="fr-FR"/>
               <a:pPr/>
-              <a:t>lundi 27 novembre 2017</a:t>
+              <a:t>mercredi 29 novembre 2017</a:t>
             </a:fld>
             <a:endParaRPr lang="fr-FR" sz="1000">
               <a:solidFill>
@@ -8538,15 +8547,7 @@
           <a:p>
             <a:r>
               <a:rPr lang="fr-FR" dirty="0" smtClean="0"/>
-              <a:t>Une classe Java peut </a:t>
-            </a:r>
-            <a:r>
-              <a:rPr lang="fr-FR" dirty="0" smtClean="0"/>
-              <a:t>hériter </a:t>
-            </a:r>
-            <a:r>
-              <a:rPr lang="fr-FR" dirty="0" smtClean="0"/>
-              <a:t>d’une seule classe</a:t>
+              <a:t>Une classe Java peut hériter d’une seule classe</a:t>
             </a:r>
           </a:p>
           <a:p>
@@ -8792,7 +8793,48 @@
       </p:grpSpPr>
       <p:sp>
         <p:nvSpPr>
-          <p:cNvPr id="2" name="Rectangle 1"/>
+          <p:cNvPr id="2" name="Espace réservé du contenu 1"/>
+          <p:cNvSpPr>
+            <a:spLocks noGrp="1"/>
+          </p:cNvSpPr>
+          <p:nvPr>
+            <p:ph idx="1"/>
+          </p:nvPr>
+        </p:nvSpPr>
+        <p:spPr/>
+        <p:txBody>
+          <a:bodyPr/>
+          <a:lstStyle/>
+          <a:p>
+            <a:r>
+              <a:rPr lang="fr-FR" dirty="0" smtClean="0"/>
+              <a:t>String - possibilités</a:t>
+            </a:r>
+          </a:p>
+          <a:p>
+            <a:endParaRPr lang="fr-FR" dirty="0"/>
+          </a:p>
+          <a:p>
+            <a:r>
+              <a:rPr lang="fr-FR" dirty="0" smtClean="0"/>
+              <a:t>Classes génériques</a:t>
+            </a:r>
+          </a:p>
+          <a:p>
+            <a:endParaRPr lang="fr-FR" dirty="0"/>
+          </a:p>
+          <a:p>
+            <a:r>
+              <a:rPr lang="fr-FR" dirty="0" smtClean="0"/>
+              <a:t>Classes abstraites</a:t>
+            </a:r>
+            <a:endParaRPr lang="fr-FR" dirty="0"/>
+          </a:p>
+        </p:txBody>
+      </p:sp>
+      <p:sp>
+        <p:nvSpPr>
+          <p:cNvPr id="3" name="Titre 2"/>
           <p:cNvSpPr>
             <a:spLocks noGrp="1"/>
           </p:cNvSpPr>
@@ -8807,57 +8849,18 @@
           <a:p>
             <a:r>
               <a:rPr lang="fr-FR" dirty="0" smtClean="0"/>
-              <a:t>Exceptions</a:t>
+              <a:t>Autres</a:t>
             </a:r>
             <a:endParaRPr lang="fr-FR" dirty="0"/>
           </a:p>
         </p:txBody>
       </p:sp>
-      <p:sp>
-        <p:nvSpPr>
-          <p:cNvPr id="3" name="Rectangle 2"/>
-          <p:cNvSpPr>
-            <a:spLocks noGrp="1"/>
-          </p:cNvSpPr>
-          <p:nvPr>
-            <p:ph idx="1"/>
-          </p:nvPr>
-        </p:nvSpPr>
-        <p:spPr/>
-        <p:txBody>
-          <a:bodyPr/>
-          <a:lstStyle/>
-          <a:p>
-            <a:r>
-              <a:rPr lang="fr-FR" i="1" dirty="0"/>
-              <a:t>Une exception est un événement qui se produit pendant </a:t>
-            </a:r>
-            <a:r>
-              <a:rPr lang="fr-FR" i="1" dirty="0" smtClean="0"/>
-              <a:t>l'exécution </a:t>
-            </a:r>
-            <a:r>
-              <a:rPr lang="fr-FR" i="1" dirty="0"/>
-              <a:t>d'un programme, qui perturbe le flux normal des instructions du </a:t>
-            </a:r>
-            <a:r>
-              <a:rPr lang="fr-FR" i="1" dirty="0" smtClean="0"/>
-              <a:t>programme.</a:t>
-            </a:r>
-          </a:p>
-          <a:p>
-            <a:endParaRPr lang="fr-FR" dirty="0"/>
-          </a:p>
-          <a:p>
-            <a:r>
-              <a:rPr lang="fr-FR" dirty="0" smtClean="0"/>
-              <a:t>Pourquoi utiliser les Exception java ?</a:t>
-            </a:r>
-            <a:endParaRPr lang="fr-FR" dirty="0"/>
-          </a:p>
-        </p:txBody>
-      </p:sp>
     </p:spTree>
+    <p:extLst>
+      <p:ext uri="{BB962C8B-B14F-4D97-AF65-F5344CB8AC3E}">
+        <p14:creationId xmlns:p14="http://schemas.microsoft.com/office/powerpoint/2010/main" val="2172555258"/>
+      </p:ext>
+    </p:extLst>
   </p:cSld>
   <p:clrMapOvr>
     <a:masterClrMapping/>
@@ -8959,21 +8962,13 @@
             <a:pPr lvl="1"/>
             <a:r>
               <a:rPr lang="fr-FR" dirty="0" smtClean="0"/>
-              <a:t>Conception </a:t>
-            </a:r>
-            <a:r>
-              <a:rPr lang="fr-FR" dirty="0" smtClean="0"/>
-              <a:t>objet</a:t>
-            </a:r>
-          </a:p>
-          <a:p>
-            <a:r>
-              <a:rPr lang="fr-FR" dirty="0" smtClean="0"/>
-              <a:t>Exceptions</a:t>
-            </a:r>
-            <a:r>
-              <a:rPr lang="fr-FR" dirty="0" smtClean="0"/>
-              <a:t>, Input/Output, Threads</a:t>
+              <a:t>Conception objet</a:t>
+            </a:r>
+          </a:p>
+          <a:p>
+            <a:r>
+              <a:rPr lang="fr-FR" dirty="0" smtClean="0"/>
+              <a:t>Exceptions, Input/Output, Threads</a:t>
             </a:r>
           </a:p>
           <a:p>
@@ -9059,16 +9054,8 @@
           <a:lstStyle/>
           <a:p>
             <a:r>
-              <a:rPr lang="fr-FR" dirty="0" err="1" smtClean="0"/>
-              <a:t>Try</a:t>
-            </a:r>
-            <a:r>
-              <a:rPr lang="fr-FR" dirty="0" smtClean="0"/>
-              <a:t>/Catch/</a:t>
-            </a:r>
-            <a:r>
-              <a:rPr lang="fr-FR" dirty="0" err="1" smtClean="0"/>
-              <a:t>Finally</a:t>
+              <a:rPr lang="fr-FR" dirty="0" smtClean="0"/>
+              <a:t>Exceptions</a:t>
             </a:r>
             <a:endParaRPr lang="fr-FR" dirty="0"/>
           </a:p>
@@ -9086,121 +9073,39 @@
         </p:nvSpPr>
         <p:spPr/>
         <p:txBody>
-          <a:bodyPr>
-            <a:normAutofit fontScale="92500" lnSpcReduction="10000"/>
-          </a:bodyPr>
-          <a:lstStyle/>
-          <a:p>
-            <a:pPr>
-              <a:lnSpc>
-                <a:spcPct val="150000"/>
-              </a:lnSpc>
-            </a:pPr>
-            <a:r>
-              <a:rPr lang="fr-FR" dirty="0" err="1" smtClean="0"/>
-              <a:t>Try</a:t>
-            </a:r>
-            <a:r>
-              <a:rPr lang="fr-FR" dirty="0" smtClean="0"/>
-              <a:t> est utilisé pour encapsuler du code risqué</a:t>
-            </a:r>
-          </a:p>
-          <a:p>
-            <a:pPr>
-              <a:lnSpc>
-                <a:spcPct val="150000"/>
-              </a:lnSpc>
-            </a:pPr>
-            <a:r>
-              <a:rPr lang="fr-FR" dirty="0" smtClean="0"/>
-              <a:t>Le bloc </a:t>
-            </a:r>
-            <a:r>
-              <a:rPr lang="fr-FR" dirty="0" err="1" smtClean="0"/>
-              <a:t>try</a:t>
-            </a:r>
-            <a:r>
-              <a:rPr lang="fr-FR" dirty="0" smtClean="0"/>
-              <a:t> n’est jamais seul</a:t>
-            </a:r>
-          </a:p>
-          <a:p>
-            <a:pPr lvl="1">
-              <a:lnSpc>
-                <a:spcPct val="150000"/>
-              </a:lnSpc>
-            </a:pPr>
-            <a:r>
-              <a:rPr lang="fr-FR" dirty="0" smtClean="0"/>
-              <a:t>Suivi d’un ou plusieurs catch</a:t>
-            </a:r>
-          </a:p>
-          <a:p>
-            <a:pPr lvl="1">
-              <a:lnSpc>
-                <a:spcPct val="150000"/>
-              </a:lnSpc>
-            </a:pPr>
-            <a:r>
-              <a:rPr lang="fr-FR" dirty="0" smtClean="0"/>
-              <a:t>Et/ou suivi d’un bloc </a:t>
-            </a:r>
-            <a:r>
-              <a:rPr lang="fr-FR" dirty="0" err="1" smtClean="0"/>
-              <a:t>finally</a:t>
-            </a:r>
-            <a:endParaRPr lang="fr-FR" dirty="0" smtClean="0"/>
-          </a:p>
-          <a:p>
-            <a:pPr>
-              <a:lnSpc>
-                <a:spcPct val="150000"/>
-              </a:lnSpc>
-            </a:pPr>
-            <a:r>
-              <a:rPr lang="fr-FR" dirty="0" smtClean="0"/>
-              <a:t>Le bloc catch est utilisé pour capter une exception spécifique</a:t>
-            </a:r>
-          </a:p>
-          <a:p>
-            <a:pPr>
-              <a:lnSpc>
-                <a:spcPct val="150000"/>
-              </a:lnSpc>
-            </a:pPr>
-            <a:r>
-              <a:rPr lang="fr-FR" dirty="0" smtClean="0"/>
-              <a:t>On peut enchainer plusieurs bloc catch</a:t>
-            </a:r>
-          </a:p>
-          <a:p>
-            <a:pPr>
-              <a:lnSpc>
-                <a:spcPct val="150000"/>
-              </a:lnSpc>
-            </a:pPr>
-            <a:r>
-              <a:rPr lang="fr-FR" dirty="0" smtClean="0"/>
-              <a:t>Le bloc </a:t>
-            </a:r>
-            <a:r>
-              <a:rPr lang="fr-FR" dirty="0" err="1" smtClean="0"/>
-              <a:t>finally</a:t>
-            </a:r>
-            <a:r>
-              <a:rPr lang="fr-FR" dirty="0" smtClean="0"/>
-              <a:t> est appelé quoi qu’il arrive</a:t>
-            </a:r>
+          <a:bodyPr/>
+          <a:lstStyle/>
+          <a:p>
+            <a:r>
+              <a:rPr lang="fr-FR" i="1" dirty="0"/>
+              <a:t>Une exception est un événement qui se produit pendant </a:t>
+            </a:r>
+            <a:r>
+              <a:rPr lang="fr-FR" i="1" dirty="0" smtClean="0"/>
+              <a:t>l'exécution </a:t>
+            </a:r>
+            <a:r>
+              <a:rPr lang="fr-FR" i="1" dirty="0"/>
+              <a:t>d'un programme, qui perturbe le flux normal des instructions du </a:t>
+            </a:r>
+            <a:r>
+              <a:rPr lang="fr-FR" i="1" dirty="0" smtClean="0"/>
+              <a:t>programme.</a:t>
+            </a:r>
+          </a:p>
+          <a:p>
             <a:endParaRPr lang="fr-FR" dirty="0"/>
           </a:p>
+          <a:p>
+            <a:r>
+              <a:rPr lang="fr-FR" dirty="0" smtClean="0"/>
+              <a:t>Pourquoi utiliser les Exception java ?</a:t>
+            </a:r>
+            <a:endParaRPr lang="fr-FR" dirty="0"/>
+          </a:p>
         </p:txBody>
       </p:sp>
     </p:spTree>
-    <p:extLst>
-      <p:ext uri="{BB962C8B-B14F-4D97-AF65-F5344CB8AC3E}">
-        <p14:creationId xmlns:p14="http://schemas.microsoft.com/office/powerpoint/2010/main" val="3008156911"/>
-      </p:ext>
-    </p:extLst>
   </p:cSld>
   <p:clrMapOvr>
     <a:masterClrMapping/>
@@ -9249,11 +9154,15 @@
           <a:p>
             <a:r>
               <a:rPr lang="fr-FR" dirty="0" err="1" smtClean="0"/>
-              <a:t>Throw</a:t>
-            </a:r>
-            <a:r>
-              <a:rPr lang="fr-FR" dirty="0" smtClean="0"/>
-              <a:t> Exception</a:t>
+              <a:t>Try</a:t>
+            </a:r>
+            <a:r>
+              <a:rPr lang="fr-FR" dirty="0" smtClean="0"/>
+              <a:t>/Catch/</a:t>
+            </a:r>
+            <a:r>
+              <a:rPr lang="fr-FR" dirty="0" err="1" smtClean="0"/>
+              <a:t>Finally</a:t>
             </a:r>
             <a:endParaRPr lang="fr-FR" dirty="0"/>
           </a:p>
@@ -9272,7 +9181,7 @@
         <p:spPr/>
         <p:txBody>
           <a:bodyPr>
-            <a:normAutofit/>
+            <a:normAutofit fontScale="92500" lnSpcReduction="10000"/>
           </a:bodyPr>
           <a:lstStyle/>
           <a:p>
@@ -9282,16 +9191,12 @@
               </a:lnSpc>
             </a:pPr>
             <a:r>
-              <a:rPr lang="fr-FR" dirty="0" smtClean="0"/>
-              <a:t>Le mot clef </a:t>
-            </a:r>
-            <a:r>
               <a:rPr lang="fr-FR" dirty="0" err="1" smtClean="0"/>
-              <a:t>throw</a:t>
-            </a:r>
-            <a:r>
-              <a:rPr lang="fr-FR" dirty="0" smtClean="0"/>
-              <a:t> permet de déclencher une exception à n’importe quel moment</a:t>
+              <a:t>Try</a:t>
+            </a:r>
+            <a:r>
+              <a:rPr lang="fr-FR" dirty="0" smtClean="0"/>
+              <a:t> est utilisé pour encapsuler du code risqué</a:t>
             </a:r>
           </a:p>
           <a:p>
@@ -9300,26 +9205,85 @@
                 <a:spcPct val="150000"/>
               </a:lnSpc>
             </a:pPr>
-            <a:endParaRPr lang="fr-FR" i="1" dirty="0"/>
-          </a:p>
-          <a:p>
-            <a:pPr marL="109728" indent="0">
+            <a:r>
+              <a:rPr lang="fr-FR" dirty="0" smtClean="0"/>
+              <a:t>Le bloc </a:t>
+            </a:r>
+            <a:r>
+              <a:rPr lang="fr-FR" dirty="0" err="1" smtClean="0"/>
+              <a:t>try</a:t>
+            </a:r>
+            <a:r>
+              <a:rPr lang="fr-FR" dirty="0" smtClean="0"/>
+              <a:t> n’est jamais seul</a:t>
+            </a:r>
+          </a:p>
+          <a:p>
+            <a:pPr lvl="1">
               <a:lnSpc>
                 <a:spcPct val="150000"/>
               </a:lnSpc>
-              <a:buNone/>
             </a:pPr>
             <a:r>
-              <a:rPr lang="fr-FR" i="1" dirty="0" smtClean="0"/>
-              <a:t>		</a:t>
-            </a:r>
-            <a:r>
-              <a:rPr lang="fr-FR" dirty="0" smtClean="0"/>
-              <a:t>     </a:t>
-            </a:r>
-            <a:r>
-              <a:rPr lang="fr-FR" sz="4000" dirty="0" smtClean="0"/>
-              <a:t>Voir démo</a:t>
+              <a:rPr lang="fr-FR" dirty="0" smtClean="0"/>
+              <a:t>Suivi d’un ou plusieurs catch</a:t>
+            </a:r>
+          </a:p>
+          <a:p>
+            <a:pPr lvl="1">
+              <a:lnSpc>
+                <a:spcPct val="150000"/>
+              </a:lnSpc>
+            </a:pPr>
+            <a:r>
+              <a:rPr lang="fr-FR" dirty="0" smtClean="0"/>
+              <a:t>Et/ou suivi d’un bloc </a:t>
+            </a:r>
+            <a:r>
+              <a:rPr lang="fr-FR" dirty="0" err="1" smtClean="0"/>
+              <a:t>finally</a:t>
+            </a:r>
+            <a:endParaRPr lang="fr-FR" dirty="0" smtClean="0"/>
+          </a:p>
+          <a:p>
+            <a:pPr>
+              <a:lnSpc>
+                <a:spcPct val="150000"/>
+              </a:lnSpc>
+            </a:pPr>
+            <a:r>
+              <a:rPr lang="fr-FR" dirty="0" smtClean="0"/>
+              <a:t>Le bloc catch est utilisé pour capter une exception spécifique</a:t>
+            </a:r>
+          </a:p>
+          <a:p>
+            <a:pPr>
+              <a:lnSpc>
+                <a:spcPct val="150000"/>
+              </a:lnSpc>
+            </a:pPr>
+            <a:r>
+              <a:rPr lang="fr-FR" dirty="0" smtClean="0"/>
+              <a:t>On peut enchainer plusieurs bloc catch</a:t>
+            </a:r>
+          </a:p>
+          <a:p>
+            <a:pPr>
+              <a:lnSpc>
+                <a:spcPct val="150000"/>
+              </a:lnSpc>
+            </a:pPr>
+            <a:r>
+              <a:rPr lang="fr-FR" dirty="0" smtClean="0"/>
+              <a:t>Le bloc </a:t>
+            </a:r>
+            <a:r>
+              <a:rPr lang="fr-FR" dirty="0" err="1" smtClean="0"/>
+              <a:t>finally</a:t>
+            </a:r>
+            <a:r>
+              <a:rPr lang="fr-FR" dirty="0" smtClean="0"/>
+              <a:t> est appelé quoi qu’il arrive</a:t>
             </a:r>
             <a:endParaRPr lang="fr-FR" dirty="0"/>
           </a:p>
@@ -9328,7 +9292,7 @@
     </p:spTree>
     <p:extLst>
       <p:ext uri="{BB962C8B-B14F-4D97-AF65-F5344CB8AC3E}">
-        <p14:creationId xmlns:p14="http://schemas.microsoft.com/office/powerpoint/2010/main" val="2731860906"/>
+        <p14:creationId xmlns:p14="http://schemas.microsoft.com/office/powerpoint/2010/main" val="3008156911"/>
       </p:ext>
     </p:extLst>
   </p:cSld>
@@ -9378,8 +9342,12 @@
           <a:lstStyle/>
           <a:p>
             <a:r>
-              <a:rPr lang="fr-FR" dirty="0" smtClean="0"/>
-              <a:t>Exercice Exception</a:t>
+              <a:rPr lang="fr-FR" dirty="0" err="1" smtClean="0"/>
+              <a:t>Throw</a:t>
+            </a:r>
+            <a:r>
+              <a:rPr lang="fr-FR" dirty="0" smtClean="0"/>
+              <a:t> Exception</a:t>
             </a:r>
             <a:endParaRPr lang="fr-FR" dirty="0"/>
           </a:p>
@@ -9409,34 +9377,43 @@
             </a:pPr>
             <a:r>
               <a:rPr lang="fr-FR" dirty="0" smtClean="0"/>
-              <a:t>Ouvrir Excercice1 dans le package </a:t>
+              <a:t>Le mot clef </a:t>
             </a:r>
             <a:r>
               <a:rPr lang="fr-FR" dirty="0" err="1" smtClean="0"/>
-              <a:t>demoexception</a:t>
-            </a:r>
-            <a:endParaRPr lang="fr-FR" dirty="0" smtClean="0"/>
-          </a:p>
-          <a:p>
-            <a:pPr lvl="1">
+              <a:t>throw</a:t>
+            </a:r>
+            <a:r>
+              <a:rPr lang="fr-FR" dirty="0" smtClean="0"/>
+              <a:t> permet de déclencher une exception à n’importe quel moment</a:t>
+            </a:r>
+          </a:p>
+          <a:p>
+            <a:pPr>
               <a:lnSpc>
                 <a:spcPct val="150000"/>
               </a:lnSpc>
             </a:pPr>
-            <a:r>
-              <a:rPr lang="fr-FR" dirty="0" smtClean="0"/>
-              <a:t>Gérer l’entrée de valeur négative pour ne pas que le programme se termine brusquement</a:t>
-            </a:r>
-          </a:p>
-          <a:p>
-            <a:pPr lvl="1">
+            <a:endParaRPr lang="fr-FR" i="1" dirty="0"/>
+          </a:p>
+          <a:p>
+            <a:pPr marL="109728" indent="0">
               <a:lnSpc>
                 <a:spcPct val="150000"/>
               </a:lnSpc>
+              <a:buNone/>
             </a:pPr>
             <a:r>
-              <a:rPr lang="fr-FR" dirty="0" smtClean="0"/>
-              <a:t>Proposer à l’utilisateur de rentrer une nouvelle valeur à la place</a:t>
+              <a:rPr lang="fr-FR" i="1" dirty="0" smtClean="0"/>
+              <a:t>		</a:t>
+            </a:r>
+            <a:r>
+              <a:rPr lang="fr-FR" dirty="0" smtClean="0"/>
+              <a:t>     </a:t>
+            </a:r>
+            <a:r>
+              <a:rPr lang="fr-FR" sz="4000" dirty="0" smtClean="0"/>
+              <a:t>Voir démo</a:t>
             </a:r>
             <a:endParaRPr lang="fr-FR" dirty="0"/>
           </a:p>
@@ -9445,7 +9422,7 @@
     </p:spTree>
     <p:extLst>
       <p:ext uri="{BB962C8B-B14F-4D97-AF65-F5344CB8AC3E}">
-        <p14:creationId xmlns:p14="http://schemas.microsoft.com/office/powerpoint/2010/main" val="3679471734"/>
+        <p14:creationId xmlns:p14="http://schemas.microsoft.com/office/powerpoint/2010/main" val="2731860906"/>
       </p:ext>
     </p:extLst>
   </p:cSld>
@@ -9526,7 +9503,34 @@
             </a:pPr>
             <a:r>
               <a:rPr lang="fr-FR" dirty="0" smtClean="0"/>
-              <a:t>Créer votre propre classe Exception qui sera appelée si le nombre est entier mais est inférieur à 10</a:t>
+              <a:t>Ouvrir Excercice1 dans le package </a:t>
+            </a:r>
+            <a:r>
+              <a:rPr lang="fr-FR" dirty="0" err="1" smtClean="0"/>
+              <a:t>demoexception</a:t>
+            </a:r>
+            <a:endParaRPr lang="fr-FR" dirty="0" smtClean="0"/>
+          </a:p>
+          <a:p>
+            <a:pPr lvl="1">
+              <a:lnSpc>
+                <a:spcPct val="150000"/>
+              </a:lnSpc>
+            </a:pPr>
+            <a:r>
+              <a:rPr lang="fr-FR" dirty="0" smtClean="0"/>
+              <a:t>Gérer l’entrée de valeur négative pour ne pas que le programme se termine brusquement</a:t>
+            </a:r>
+          </a:p>
+          <a:p>
+            <a:pPr lvl="1">
+              <a:lnSpc>
+                <a:spcPct val="150000"/>
+              </a:lnSpc>
+            </a:pPr>
+            <a:r>
+              <a:rPr lang="fr-FR" dirty="0" smtClean="0"/>
+              <a:t>Proposer à l’utilisateur de rentrer une nouvelle valeur à la place</a:t>
             </a:r>
             <a:endParaRPr lang="fr-FR" dirty="0"/>
           </a:p>
@@ -9535,7 +9539,7 @@
     </p:spTree>
     <p:extLst>
       <p:ext uri="{BB962C8B-B14F-4D97-AF65-F5344CB8AC3E}">
-        <p14:creationId xmlns:p14="http://schemas.microsoft.com/office/powerpoint/2010/main" val="1204529296"/>
+        <p14:creationId xmlns:p14="http://schemas.microsoft.com/office/powerpoint/2010/main" val="3679471734"/>
       </p:ext>
     </p:extLst>
   </p:cSld>
@@ -9571,7 +9575,30 @@
       </p:grpSpPr>
       <p:sp>
         <p:nvSpPr>
-          <p:cNvPr id="2" name="Espace réservé du contenu 1"/>
+          <p:cNvPr id="2" name="Rectangle 1"/>
+          <p:cNvSpPr>
+            <a:spLocks noGrp="1"/>
+          </p:cNvSpPr>
+          <p:nvPr>
+            <p:ph type="title"/>
+          </p:nvPr>
+        </p:nvSpPr>
+        <p:spPr/>
+        <p:txBody>
+          <a:bodyPr/>
+          <a:lstStyle/>
+          <a:p>
+            <a:r>
+              <a:rPr lang="fr-FR" dirty="0" smtClean="0"/>
+              <a:t>Exercice Exception</a:t>
+            </a:r>
+            <a:endParaRPr lang="fr-FR" dirty="0"/>
+          </a:p>
+        </p:txBody>
+      </p:sp>
+      <p:sp>
+        <p:nvSpPr>
+          <p:cNvPr id="3" name="Rectangle 2"/>
           <p:cNvSpPr>
             <a:spLocks noGrp="1"/>
           </p:cNvSpPr>
@@ -9581,89 +9608,19 @@
         </p:nvSpPr>
         <p:spPr/>
         <p:txBody>
-          <a:bodyPr/>
-          <a:lstStyle/>
-          <a:p>
-            <a:r>
-              <a:rPr lang="fr-FR" dirty="0" smtClean="0"/>
-              <a:t>Stream</a:t>
-            </a:r>
-          </a:p>
-          <a:p>
-            <a:pPr lvl="1"/>
-            <a:r>
-              <a:rPr lang="fr-FR" dirty="0" smtClean="0"/>
-              <a:t>Un </a:t>
-            </a:r>
-            <a:r>
-              <a:rPr lang="fr-FR" dirty="0" err="1" smtClean="0"/>
-              <a:t>stream</a:t>
-            </a:r>
-            <a:r>
-              <a:rPr lang="fr-FR" dirty="0" smtClean="0"/>
-              <a:t> est une donnée de transfert</a:t>
-            </a:r>
-          </a:p>
-          <a:p>
-            <a:pPr lvl="1"/>
-            <a:r>
-              <a:rPr lang="fr-FR" dirty="0" smtClean="0"/>
-              <a:t>Fait parti du package </a:t>
-            </a:r>
-            <a:r>
-              <a:rPr lang="fr-FR" i="1" dirty="0" smtClean="0"/>
-              <a:t>java.io</a:t>
-            </a:r>
-          </a:p>
-          <a:p>
-            <a:pPr lvl="1"/>
-            <a:r>
-              <a:rPr lang="fr-FR" dirty="0" smtClean="0"/>
-              <a:t>Utilisations:</a:t>
-            </a:r>
-          </a:p>
-          <a:p>
-            <a:pPr lvl="2"/>
-            <a:r>
-              <a:rPr lang="fr-FR" dirty="0" smtClean="0"/>
-              <a:t>Ouvrir un flux</a:t>
-            </a:r>
-          </a:p>
-          <a:p>
-            <a:pPr lvl="2"/>
-            <a:r>
-              <a:rPr lang="fr-FR" dirty="0" smtClean="0"/>
-              <a:t>Ecrire ou lire dans un flux</a:t>
-            </a:r>
-          </a:p>
-          <a:p>
-            <a:pPr lvl="2"/>
-            <a:r>
-              <a:rPr lang="fr-FR" dirty="0" smtClean="0"/>
-              <a:t>Fermer un flux</a:t>
-            </a:r>
-            <a:endParaRPr lang="fr-FR" dirty="0"/>
-          </a:p>
-        </p:txBody>
-      </p:sp>
-      <p:sp>
-        <p:nvSpPr>
-          <p:cNvPr id="3" name="Titre 2"/>
-          <p:cNvSpPr>
-            <a:spLocks noGrp="1"/>
-          </p:cNvSpPr>
-          <p:nvPr>
-            <p:ph type="title"/>
-          </p:nvPr>
-        </p:nvSpPr>
-        <p:spPr/>
-        <p:txBody>
-          <a:bodyPr/>
-          <a:lstStyle/>
-          <a:p>
-            <a:r>
-              <a:rPr lang="fr-FR" dirty="0" smtClean="0"/>
-              <a:t>Input Output</a:t>
+          <a:bodyPr>
+            <a:normAutofit/>
+          </a:bodyPr>
+          <a:lstStyle/>
+          <a:p>
+            <a:pPr>
+              <a:lnSpc>
+                <a:spcPct val="150000"/>
+              </a:lnSpc>
+            </a:pPr>
+            <a:r>
+              <a:rPr lang="fr-FR" dirty="0" smtClean="0"/>
+              <a:t>Créer votre propre classe Exception qui sera appelée si le nombre est entier mais est inférieur à 10</a:t>
             </a:r>
             <a:endParaRPr lang="fr-FR" dirty="0"/>
           </a:p>
@@ -9672,7 +9629,7 @@
     </p:spTree>
     <p:extLst>
       <p:ext uri="{BB962C8B-B14F-4D97-AF65-F5344CB8AC3E}">
-        <p14:creationId xmlns:p14="http://schemas.microsoft.com/office/powerpoint/2010/main" val="261092828"/>
+        <p14:creationId xmlns:p14="http://schemas.microsoft.com/office/powerpoint/2010/main" val="1204529296"/>
       </p:ext>
     </p:extLst>
   </p:cSld>
@@ -9723,28 +9680,61 @@
           <a:p>
             <a:r>
               <a:rPr lang="fr-FR" dirty="0" smtClean="0"/>
-              <a:t>Aller dans la classe ExerciceFile.java</a:t>
-            </a:r>
-          </a:p>
-          <a:p>
-            <a:endParaRPr lang="fr-FR" dirty="0" smtClean="0"/>
+              <a:t>Stream</a:t>
+            </a:r>
           </a:p>
           <a:p>
             <a:pPr lvl="1"/>
             <a:r>
               <a:rPr lang="fr-FR" dirty="0" smtClean="0"/>
-              <a:t>1. Lire le contenu du fichier test.txt et l’afficher dans la console</a:t>
+              <a:t>Un </a:t>
+            </a:r>
+            <a:r>
+              <a:rPr lang="fr-FR" dirty="0" err="1" smtClean="0"/>
+              <a:t>stream</a:t>
+            </a:r>
+            <a:r>
+              <a:rPr lang="fr-FR" dirty="0" smtClean="0"/>
+              <a:t> est une donnée de transfert</a:t>
             </a:r>
           </a:p>
           <a:p>
             <a:pPr lvl="1"/>
-            <a:endParaRPr lang="fr-FR" dirty="0" smtClean="0"/>
+            <a:r>
+              <a:rPr lang="fr-FR" dirty="0" smtClean="0"/>
+              <a:t>Fait parti du package </a:t>
+            </a:r>
+            <a:r>
+              <a:rPr lang="fr-FR" i="1" dirty="0" smtClean="0"/>
+              <a:t>java.io</a:t>
+            </a:r>
           </a:p>
           <a:p>
             <a:pPr lvl="1"/>
             <a:r>
               <a:rPr lang="fr-FR" dirty="0" smtClean="0"/>
-              <a:t>2. Lire le contenu et l’écrire dans un nouveau fichier</a:t>
+              <a:t>Utilisations:</a:t>
+            </a:r>
+          </a:p>
+          <a:p>
+            <a:pPr lvl="2"/>
+            <a:r>
+              <a:rPr lang="fr-FR" dirty="0" smtClean="0"/>
+              <a:t>Ouvrir un flux</a:t>
+            </a:r>
+          </a:p>
+          <a:p>
+            <a:pPr lvl="2"/>
+            <a:r>
+              <a:rPr lang="fr-FR" dirty="0" smtClean="0"/>
+              <a:t>Ecrire ou lire dans un flux</a:t>
+            </a:r>
+          </a:p>
+          <a:p>
+            <a:pPr lvl="2"/>
+            <a:r>
+              <a:rPr lang="fr-FR" dirty="0" smtClean="0"/>
+              <a:t>Fermer un flux</a:t>
             </a:r>
             <a:endParaRPr lang="fr-FR" dirty="0"/>
           </a:p>
@@ -9767,7 +9757,7 @@
           <a:p>
             <a:r>
               <a:rPr lang="fr-FR" dirty="0" smtClean="0"/>
-              <a:t>Exercice</a:t>
+              <a:t>Input Output</a:t>
             </a:r>
             <a:endParaRPr lang="fr-FR" dirty="0"/>
           </a:p>
@@ -9776,7 +9766,7 @@
     </p:spTree>
     <p:extLst>
       <p:ext uri="{BB962C8B-B14F-4D97-AF65-F5344CB8AC3E}">
-        <p14:creationId xmlns:p14="http://schemas.microsoft.com/office/powerpoint/2010/main" val="3876208343"/>
+        <p14:creationId xmlns:p14="http://schemas.microsoft.com/office/powerpoint/2010/main" val="261092828"/>
       </p:ext>
     </p:extLst>
   </p:cSld>
@@ -9827,49 +9817,31 @@
           <a:p>
             <a:r>
               <a:rPr lang="fr-FR" dirty="0" smtClean="0"/>
-              <a:t>Un objet devient « </a:t>
-            </a:r>
-            <a:r>
-              <a:rPr lang="fr-FR" dirty="0" err="1" smtClean="0"/>
-              <a:t>sérialisable</a:t>
-            </a:r>
-            <a:r>
-              <a:rPr lang="fr-FR" dirty="0" smtClean="0"/>
-              <a:t> » en implémentant l’interface </a:t>
-            </a:r>
-            <a:r>
-              <a:rPr lang="fr-FR" dirty="0" err="1" smtClean="0"/>
-              <a:t>java.io.Serializable</a:t>
-            </a:r>
+              <a:t>Aller dans la classe ExerciceFile.java</a:t>
+            </a:r>
+          </a:p>
+          <a:p>
             <a:endParaRPr lang="fr-FR" dirty="0" smtClean="0"/>
           </a:p>
           <a:p>
+            <a:pPr lvl="1"/>
+            <a:r>
+              <a:rPr lang="fr-FR" dirty="0" smtClean="0"/>
+              <a:t>1. Lire le contenu du fichier test.txt et l’afficher dans la console</a:t>
+            </a:r>
+          </a:p>
+          <a:p>
+            <a:pPr lvl="1"/>
+            <a:endParaRPr lang="fr-FR" dirty="0" smtClean="0"/>
+          </a:p>
+          <a:p>
+            <a:pPr lvl="1"/>
+            <a:r>
+              <a:rPr lang="fr-FR" dirty="0" smtClean="0"/>
+              <a:t>2. Lire le contenu et l’écrire dans un nouveau fichier</a:t>
+            </a:r>
             <a:endParaRPr lang="fr-FR" dirty="0"/>
           </a:p>
-          <a:p>
-            <a:r>
-              <a:rPr lang="fr-FR" dirty="0" smtClean="0"/>
-              <a:t>La sérialisation permet de faire transiter des objets (dans un fichier, vers un serveur)</a:t>
-            </a:r>
-          </a:p>
-          <a:p>
-            <a:endParaRPr lang="fr-FR" dirty="0"/>
-          </a:p>
-          <a:p>
-            <a:r>
-              <a:rPr lang="fr-FR" dirty="0" smtClean="0"/>
-              <a:t>Exercice : Ecrire des objets dans un fichier .</a:t>
-            </a:r>
-            <a:r>
-              <a:rPr lang="fr-FR" dirty="0" err="1" smtClean="0"/>
-              <a:t>txt</a:t>
-            </a:r>
-            <a:r>
-              <a:rPr lang="fr-FR" dirty="0" smtClean="0"/>
-              <a:t> et les afficher dans la console en lisant ce même fichier</a:t>
-            </a:r>
-            <a:endParaRPr lang="fr-FR" dirty="0"/>
-          </a:p>
         </p:txBody>
       </p:sp>
       <p:sp>
@@ -9888,8 +9860,8 @@
           <a:lstStyle/>
           <a:p>
             <a:r>
-              <a:rPr lang="fr-FR" dirty="0" err="1" smtClean="0"/>
-              <a:t>Serialisation</a:t>
+              <a:rPr lang="fr-FR" dirty="0" smtClean="0"/>
+              <a:t>Exercice</a:t>
             </a:r>
             <a:endParaRPr lang="fr-FR" dirty="0"/>
           </a:p>
@@ -9898,7 +9870,7 @@
     </p:spTree>
     <p:extLst>
       <p:ext uri="{BB962C8B-B14F-4D97-AF65-F5344CB8AC3E}">
-        <p14:creationId xmlns:p14="http://schemas.microsoft.com/office/powerpoint/2010/main" val="2815125763"/>
+        <p14:creationId xmlns:p14="http://schemas.microsoft.com/office/powerpoint/2010/main" val="3876208343"/>
       </p:ext>
     </p:extLst>
   </p:cSld>
@@ -9949,6 +9921,128 @@
           <a:p>
             <a:r>
               <a:rPr lang="fr-FR" dirty="0" smtClean="0"/>
+              <a:t>Un objet devient « </a:t>
+            </a:r>
+            <a:r>
+              <a:rPr lang="fr-FR" dirty="0" err="1" smtClean="0"/>
+              <a:t>sérialisable</a:t>
+            </a:r>
+            <a:r>
+              <a:rPr lang="fr-FR" dirty="0" smtClean="0"/>
+              <a:t> » en implémentant l’interface </a:t>
+            </a:r>
+            <a:r>
+              <a:rPr lang="fr-FR" dirty="0" err="1" smtClean="0"/>
+              <a:t>java.io.Serializable</a:t>
+            </a:r>
+            <a:endParaRPr lang="fr-FR" dirty="0" smtClean="0"/>
+          </a:p>
+          <a:p>
+            <a:endParaRPr lang="fr-FR" dirty="0"/>
+          </a:p>
+          <a:p>
+            <a:r>
+              <a:rPr lang="fr-FR" dirty="0" smtClean="0"/>
+              <a:t>La sérialisation permet de faire transiter des objets (dans un fichier, vers un serveur)</a:t>
+            </a:r>
+          </a:p>
+          <a:p>
+            <a:endParaRPr lang="fr-FR" dirty="0"/>
+          </a:p>
+          <a:p>
+            <a:r>
+              <a:rPr lang="fr-FR" dirty="0" smtClean="0"/>
+              <a:t>Exercice : Ecrire des objets dans un fichier .</a:t>
+            </a:r>
+            <a:r>
+              <a:rPr lang="fr-FR" dirty="0" err="1" smtClean="0"/>
+              <a:t>txt</a:t>
+            </a:r>
+            <a:r>
+              <a:rPr lang="fr-FR" dirty="0" smtClean="0"/>
+              <a:t> et les afficher dans la console en lisant ce même fichier</a:t>
+            </a:r>
+            <a:endParaRPr lang="fr-FR" dirty="0"/>
+          </a:p>
+        </p:txBody>
+      </p:sp>
+      <p:sp>
+        <p:nvSpPr>
+          <p:cNvPr id="3" name="Titre 2"/>
+          <p:cNvSpPr>
+            <a:spLocks noGrp="1"/>
+          </p:cNvSpPr>
+          <p:nvPr>
+            <p:ph type="title"/>
+          </p:nvPr>
+        </p:nvSpPr>
+        <p:spPr/>
+        <p:txBody>
+          <a:bodyPr/>
+          <a:lstStyle/>
+          <a:p>
+            <a:r>
+              <a:rPr lang="fr-FR" dirty="0" err="1" smtClean="0"/>
+              <a:t>Serialisation</a:t>
+            </a:r>
+            <a:endParaRPr lang="fr-FR" dirty="0"/>
+          </a:p>
+        </p:txBody>
+      </p:sp>
+    </p:spTree>
+    <p:extLst>
+      <p:ext uri="{BB962C8B-B14F-4D97-AF65-F5344CB8AC3E}">
+        <p14:creationId xmlns:p14="http://schemas.microsoft.com/office/powerpoint/2010/main" val="2815125763"/>
+      </p:ext>
+    </p:extLst>
+  </p:cSld>
+  <p:clrMapOvr>
+    <a:masterClrMapping/>
+  </p:clrMapOvr>
+  <p:timing>
+    <p:tnLst>
+      <p:par>
+        <p:cTn id="1" dur="indefinite" restart="never" nodeType="tmRoot"/>
+      </p:par>
+    </p:tnLst>
+  </p:timing>
+</p:sld>
+</file>
+
+<file path=ppt/slides/slide28.xml><?xml version="1.0" encoding="utf-8"?>
+<p:sld xmlns:a="http://schemas.openxmlformats.org/drawingml/2006/main" xmlns:r="http://schemas.openxmlformats.org/officeDocument/2006/relationships" xmlns:p="http://schemas.openxmlformats.org/presentationml/2006/main">
+  <p:cSld>
+    <p:spTree>
+      <p:nvGrpSpPr>
+        <p:cNvPr id="1" name=""/>
+        <p:cNvGrpSpPr/>
+        <p:nvPr/>
+      </p:nvGrpSpPr>
+      <p:grpSpPr>
+        <a:xfrm>
+          <a:off x="0" y="0"/>
+          <a:ext cx="0" cy="0"/>
+          <a:chOff x="0" y="0"/>
+          <a:chExt cx="0" cy="0"/>
+        </a:xfrm>
+      </p:grpSpPr>
+      <p:sp>
+        <p:nvSpPr>
+          <p:cNvPr id="2" name="Espace réservé du contenu 1"/>
+          <p:cNvSpPr>
+            <a:spLocks noGrp="1"/>
+          </p:cNvSpPr>
+          <p:nvPr>
+            <p:ph idx="1"/>
+          </p:nvPr>
+        </p:nvSpPr>
+        <p:spPr/>
+        <p:txBody>
+          <a:bodyPr/>
+          <a:lstStyle/>
+          <a:p>
+            <a:r>
+              <a:rPr lang="fr-FR" dirty="0" smtClean="0"/>
               <a:t>Un thread permet de réaliser plusieurs traitements en simultané </a:t>
             </a:r>
           </a:p>
@@ -10041,7 +10135,7 @@
 </p:sld>
 </file>
 
-<file path=ppt/slides/slide28.xml><?xml version="1.0" encoding="utf-8"?>
+<file path=ppt/slides/slide29.xml><?xml version="1.0" encoding="utf-8"?>
 <p:sld xmlns:a="http://schemas.openxmlformats.org/drawingml/2006/main" xmlns:r="http://schemas.openxmlformats.org/officeDocument/2006/relationships" xmlns:p="http://schemas.openxmlformats.org/presentationml/2006/main">
   <p:cSld>
     <p:spTree>
@@ -10234,17 +10328,12 @@
               <a:rPr lang="fr-FR" dirty="0" smtClean="0"/>
               <a:t>Evénements</a:t>
             </a:r>
-            <a:endParaRPr lang="fr-FR" dirty="0" smtClean="0"/>
           </a:p>
           <a:p>
             <a:pPr lvl="1"/>
             <a:r>
               <a:rPr lang="fr-FR" dirty="0" smtClean="0"/>
-              <a:t>Présentation </a:t>
-            </a:r>
-            <a:r>
-              <a:rPr lang="fr-FR" dirty="0" smtClean="0"/>
-              <a:t>Java FX</a:t>
+              <a:t>Présentation Java FX</a:t>
             </a:r>
           </a:p>
           <a:p>
@@ -10319,6 +10408,1223 @@
     <p:extLst>
       <p:ext uri="{BB962C8B-B14F-4D97-AF65-F5344CB8AC3E}">
         <p14:creationId xmlns:p14="http://schemas.microsoft.com/office/powerpoint/2010/main" val="1969126230"/>
+      </p:ext>
+    </p:extLst>
+  </p:cSld>
+  <p:clrMapOvr>
+    <a:masterClrMapping/>
+  </p:clrMapOvr>
+  <p:timing>
+    <p:tnLst>
+      <p:par>
+        <p:cTn id="1" dur="indefinite" restart="never" nodeType="tmRoot"/>
+      </p:par>
+    </p:tnLst>
+  </p:timing>
+</p:sld>
+</file>
+
+<file path=ppt/slides/slide30.xml><?xml version="1.0" encoding="utf-8"?>
+<p:sld xmlns:a="http://schemas.openxmlformats.org/drawingml/2006/main" xmlns:r="http://schemas.openxmlformats.org/officeDocument/2006/relationships" xmlns:p="http://schemas.openxmlformats.org/presentationml/2006/main">
+  <p:cSld>
+    <p:spTree>
+      <p:nvGrpSpPr>
+        <p:cNvPr id="1" name=""/>
+        <p:cNvGrpSpPr/>
+        <p:nvPr/>
+      </p:nvGrpSpPr>
+      <p:grpSpPr>
+        <a:xfrm>
+          <a:off x="0" y="0"/>
+          <a:ext cx="0" cy="0"/>
+          <a:chOff x="0" y="0"/>
+          <a:chExt cx="0" cy="0"/>
+        </a:xfrm>
+      </p:grpSpPr>
+      <p:sp>
+        <p:nvSpPr>
+          <p:cNvPr id="2" name="Espace réservé du contenu 1"/>
+          <p:cNvSpPr>
+            <a:spLocks noGrp="1"/>
+          </p:cNvSpPr>
+          <p:nvPr>
+            <p:ph idx="1"/>
+          </p:nvPr>
+        </p:nvSpPr>
+        <p:spPr/>
+        <p:txBody>
+          <a:bodyPr/>
+          <a:lstStyle/>
+          <a:p>
+            <a:pPr>
+              <a:lnSpc>
+                <a:spcPct val="150000"/>
+              </a:lnSpc>
+            </a:pPr>
+            <a:r>
+              <a:rPr lang="fr-FR" dirty="0" smtClean="0"/>
+              <a:t>Bibliothèque graphique intégrée dans le JDK de Java</a:t>
+            </a:r>
+          </a:p>
+          <a:p>
+            <a:pPr>
+              <a:lnSpc>
+                <a:spcPct val="150000"/>
+              </a:lnSpc>
+            </a:pPr>
+            <a:r>
+              <a:rPr lang="fr-FR" dirty="0" smtClean="0"/>
+              <a:t>Crée par Sun Microsystems (Oracle 2009</a:t>
+            </a:r>
+          </a:p>
+          <a:p>
+            <a:pPr>
+              <a:lnSpc>
+                <a:spcPct val="150000"/>
+              </a:lnSpc>
+            </a:pPr>
+            <a:r>
+              <a:rPr lang="fr-FR" dirty="0" smtClean="0"/>
+              <a:t>Réalisation d’interfaces graphiques pour des applications </a:t>
+            </a:r>
+            <a:r>
+              <a:rPr lang="fr-FR" dirty="0" err="1" smtClean="0"/>
+              <a:t>lours</a:t>
+            </a:r>
+            <a:r>
+              <a:rPr lang="fr-FR" dirty="0" smtClean="0"/>
+              <a:t> ou mobiles</a:t>
+            </a:r>
+          </a:p>
+          <a:p>
+            <a:pPr>
+              <a:lnSpc>
+                <a:spcPct val="150000"/>
+              </a:lnSpc>
+            </a:pPr>
+            <a:r>
+              <a:rPr lang="fr-FR" dirty="0" smtClean="0"/>
+              <a:t>Fonctionnalités : animations, effets, 3D, audio/</a:t>
+            </a:r>
+            <a:r>
+              <a:rPr lang="fr-FR" dirty="0" err="1" smtClean="0"/>
+              <a:t>video</a:t>
+            </a:r>
+            <a:r>
+              <a:rPr lang="fr-FR" dirty="0" smtClean="0"/>
+              <a:t>,</a:t>
+            </a:r>
+            <a:r>
+              <a:rPr lang="fr-FR" dirty="0"/>
+              <a:t> </a:t>
+            </a:r>
+            <a:r>
+              <a:rPr lang="fr-FR" dirty="0" smtClean="0"/>
+              <a:t>diagrammes, CSS</a:t>
+            </a:r>
+          </a:p>
+        </p:txBody>
+      </p:sp>
+      <p:sp>
+        <p:nvSpPr>
+          <p:cNvPr id="3" name="Titre 2"/>
+          <p:cNvSpPr>
+            <a:spLocks noGrp="1"/>
+          </p:cNvSpPr>
+          <p:nvPr>
+            <p:ph type="title"/>
+          </p:nvPr>
+        </p:nvSpPr>
+        <p:spPr/>
+        <p:txBody>
+          <a:bodyPr/>
+          <a:lstStyle/>
+          <a:p>
+            <a:r>
+              <a:rPr lang="fr-FR" dirty="0" err="1" smtClean="0"/>
+              <a:t>JavaFX</a:t>
+            </a:r>
+            <a:r>
+              <a:rPr lang="fr-FR" dirty="0" smtClean="0"/>
+              <a:t> - Intro</a:t>
+            </a:r>
+            <a:endParaRPr lang="fr-FR" dirty="0"/>
+          </a:p>
+        </p:txBody>
+      </p:sp>
+    </p:spTree>
+    <p:extLst>
+      <p:ext uri="{BB962C8B-B14F-4D97-AF65-F5344CB8AC3E}">
+        <p14:creationId xmlns:p14="http://schemas.microsoft.com/office/powerpoint/2010/main" val="2346316175"/>
+      </p:ext>
+    </p:extLst>
+  </p:cSld>
+  <p:clrMapOvr>
+    <a:masterClrMapping/>
+  </p:clrMapOvr>
+  <p:timing>
+    <p:tnLst>
+      <p:par>
+        <p:cTn id="1" dur="indefinite" restart="never" nodeType="tmRoot"/>
+      </p:par>
+    </p:tnLst>
+  </p:timing>
+</p:sld>
+</file>
+
+<file path=ppt/slides/slide31.xml><?xml version="1.0" encoding="utf-8"?>
+<p:sld xmlns:a="http://schemas.openxmlformats.org/drawingml/2006/main" xmlns:r="http://schemas.openxmlformats.org/officeDocument/2006/relationships" xmlns:p="http://schemas.openxmlformats.org/presentationml/2006/main">
+  <p:cSld>
+    <p:spTree>
+      <p:nvGrpSpPr>
+        <p:cNvPr id="1" name=""/>
+        <p:cNvGrpSpPr/>
+        <p:nvPr/>
+      </p:nvGrpSpPr>
+      <p:grpSpPr>
+        <a:xfrm>
+          <a:off x="0" y="0"/>
+          <a:ext cx="0" cy="0"/>
+          <a:chOff x="0" y="0"/>
+          <a:chExt cx="0" cy="0"/>
+        </a:xfrm>
+      </p:grpSpPr>
+      <p:sp>
+        <p:nvSpPr>
+          <p:cNvPr id="2" name="Espace réservé du contenu 1"/>
+          <p:cNvSpPr>
+            <a:spLocks noGrp="1"/>
+          </p:cNvSpPr>
+          <p:nvPr>
+            <p:ph idx="1"/>
+          </p:nvPr>
+        </p:nvSpPr>
+        <p:spPr/>
+        <p:txBody>
+          <a:bodyPr>
+            <a:normAutofit lnSpcReduction="10000"/>
+          </a:bodyPr>
+          <a:lstStyle/>
+          <a:p>
+            <a:pPr>
+              <a:lnSpc>
+                <a:spcPct val="150000"/>
+              </a:lnSpc>
+            </a:pPr>
+            <a:r>
+              <a:rPr lang="fr-FR" dirty="0" smtClean="0"/>
+              <a:t>2008 : </a:t>
+            </a:r>
+            <a:r>
+              <a:rPr lang="fr-FR" dirty="0" err="1" smtClean="0"/>
+              <a:t>JavaFX</a:t>
+            </a:r>
+            <a:r>
+              <a:rPr lang="fr-FR" dirty="0" smtClean="0"/>
+              <a:t> 1,0 -&gt; langage de </a:t>
+            </a:r>
+            <a:r>
+              <a:rPr lang="fr-FR" dirty="0" err="1" smtClean="0"/>
+              <a:t>scipt</a:t>
+            </a:r>
+            <a:r>
+              <a:rPr lang="fr-FR" dirty="0" smtClean="0"/>
+              <a:t> spécifique, dépendance externe</a:t>
+            </a:r>
+          </a:p>
+          <a:p>
+            <a:pPr>
+              <a:lnSpc>
+                <a:spcPct val="150000"/>
+              </a:lnSpc>
+            </a:pPr>
+            <a:r>
+              <a:rPr lang="fr-FR" dirty="0" smtClean="0"/>
+              <a:t>2011 : </a:t>
+            </a:r>
+            <a:r>
+              <a:rPr lang="fr-FR" dirty="0" err="1" smtClean="0"/>
+              <a:t>JavaFX</a:t>
+            </a:r>
+            <a:r>
+              <a:rPr lang="fr-FR" dirty="0" smtClean="0"/>
+              <a:t> 2,0 -&gt; API purement java</a:t>
+            </a:r>
+          </a:p>
+          <a:p>
+            <a:pPr>
+              <a:lnSpc>
+                <a:spcPct val="150000"/>
+              </a:lnSpc>
+            </a:pPr>
+            <a:r>
+              <a:rPr lang="fr-FR" dirty="0" smtClean="0"/>
+              <a:t>2014 : JavaFX8 -&gt; inclus par défaut dans le JDK</a:t>
+            </a:r>
+          </a:p>
+          <a:p>
+            <a:pPr lvl="2">
+              <a:lnSpc>
+                <a:spcPct val="150000"/>
+              </a:lnSpc>
+            </a:pPr>
+            <a:r>
+              <a:rPr lang="fr-FR" dirty="0" smtClean="0"/>
+              <a:t>Devenu bibliothèque officielle pour les interfaces graphiques Java</a:t>
+            </a:r>
+          </a:p>
+          <a:p>
+            <a:pPr lvl="2">
+              <a:lnSpc>
+                <a:spcPct val="150000"/>
+              </a:lnSpc>
+            </a:pPr>
+            <a:r>
+              <a:rPr lang="fr-FR" dirty="0" smtClean="0"/>
+              <a:t>Remplaçante de Swing (et d’AWT)</a:t>
+            </a:r>
+          </a:p>
+        </p:txBody>
+      </p:sp>
+      <p:sp>
+        <p:nvSpPr>
+          <p:cNvPr id="3" name="Titre 2"/>
+          <p:cNvSpPr>
+            <a:spLocks noGrp="1"/>
+          </p:cNvSpPr>
+          <p:nvPr>
+            <p:ph type="title"/>
+          </p:nvPr>
+        </p:nvSpPr>
+        <p:spPr/>
+        <p:txBody>
+          <a:bodyPr/>
+          <a:lstStyle/>
+          <a:p>
+            <a:r>
+              <a:rPr lang="fr-FR" dirty="0" err="1" smtClean="0"/>
+              <a:t>JavaFX</a:t>
+            </a:r>
+            <a:r>
+              <a:rPr lang="fr-FR" dirty="0" smtClean="0"/>
+              <a:t> - Historique</a:t>
+            </a:r>
+            <a:endParaRPr lang="fr-FR" dirty="0"/>
+          </a:p>
+        </p:txBody>
+      </p:sp>
+    </p:spTree>
+    <p:extLst>
+      <p:ext uri="{BB962C8B-B14F-4D97-AF65-F5344CB8AC3E}">
+        <p14:creationId xmlns:p14="http://schemas.microsoft.com/office/powerpoint/2010/main" val="3846405609"/>
+      </p:ext>
+    </p:extLst>
+  </p:cSld>
+  <p:clrMapOvr>
+    <a:masterClrMapping/>
+  </p:clrMapOvr>
+  <p:timing>
+    <p:tnLst>
+      <p:par>
+        <p:cTn id="1" dur="indefinite" restart="never" nodeType="tmRoot"/>
+      </p:par>
+    </p:tnLst>
+  </p:timing>
+</p:sld>
+</file>
+
+<file path=ppt/slides/slide32.xml><?xml version="1.0" encoding="utf-8"?>
+<p:sld xmlns:a="http://schemas.openxmlformats.org/drawingml/2006/main" xmlns:r="http://schemas.openxmlformats.org/officeDocument/2006/relationships" xmlns:p="http://schemas.openxmlformats.org/presentationml/2006/main">
+  <p:cSld>
+    <p:spTree>
+      <p:nvGrpSpPr>
+        <p:cNvPr id="1" name=""/>
+        <p:cNvGrpSpPr/>
+        <p:nvPr/>
+      </p:nvGrpSpPr>
+      <p:grpSpPr>
+        <a:xfrm>
+          <a:off x="0" y="0"/>
+          <a:ext cx="0" cy="0"/>
+          <a:chOff x="0" y="0"/>
+          <a:chExt cx="0" cy="0"/>
+        </a:xfrm>
+      </p:grpSpPr>
+      <p:sp>
+        <p:nvSpPr>
+          <p:cNvPr id="2" name="Espace réservé du contenu 1"/>
+          <p:cNvSpPr>
+            <a:spLocks noGrp="1"/>
+          </p:cNvSpPr>
+          <p:nvPr>
+            <p:ph idx="1"/>
+          </p:nvPr>
+        </p:nvSpPr>
+        <p:spPr/>
+        <p:txBody>
+          <a:bodyPr>
+            <a:normAutofit/>
+          </a:bodyPr>
+          <a:lstStyle/>
+          <a:p>
+            <a:pPr>
+              <a:lnSpc>
+                <a:spcPct val="150000"/>
+              </a:lnSpc>
+            </a:pPr>
+            <a:r>
+              <a:rPr lang="fr-FR" dirty="0" smtClean="0"/>
+              <a:t>Démarrer une application</a:t>
+            </a:r>
+          </a:p>
+          <a:p>
+            <a:pPr lvl="1">
+              <a:lnSpc>
+                <a:spcPct val="150000"/>
+              </a:lnSpc>
+            </a:pPr>
+            <a:r>
+              <a:rPr lang="fr-FR" sz="1600" dirty="0" smtClean="0"/>
+              <a:t>Avoir une classe étendant </a:t>
+            </a:r>
+            <a:r>
+              <a:rPr lang="fr-FR" sz="1600" dirty="0" err="1" smtClean="0"/>
+              <a:t>javafx.application.Application</a:t>
+            </a:r>
+            <a:r>
+              <a:rPr lang="fr-FR" sz="1600" dirty="0" smtClean="0"/>
+              <a:t> avec une méthode statique main</a:t>
+            </a:r>
+          </a:p>
+          <a:p>
+            <a:pPr lvl="1">
+              <a:lnSpc>
+                <a:spcPct val="150000"/>
+              </a:lnSpc>
+            </a:pPr>
+            <a:endParaRPr lang="fr-FR" sz="1600" dirty="0"/>
+          </a:p>
+          <a:p>
+            <a:pPr lvl="1">
+              <a:lnSpc>
+                <a:spcPct val="150000"/>
+              </a:lnSpc>
+            </a:pPr>
+            <a:endParaRPr lang="fr-FR" sz="1600" dirty="0" smtClean="0"/>
+          </a:p>
+        </p:txBody>
+      </p:sp>
+      <p:sp>
+        <p:nvSpPr>
+          <p:cNvPr id="3" name="Titre 2"/>
+          <p:cNvSpPr>
+            <a:spLocks noGrp="1"/>
+          </p:cNvSpPr>
+          <p:nvPr>
+            <p:ph type="title"/>
+          </p:nvPr>
+        </p:nvSpPr>
+        <p:spPr/>
+        <p:txBody>
+          <a:bodyPr/>
+          <a:lstStyle/>
+          <a:p>
+            <a:r>
+              <a:rPr lang="fr-FR" dirty="0" err="1" smtClean="0"/>
+              <a:t>JavaFX</a:t>
+            </a:r>
+            <a:r>
+              <a:rPr lang="fr-FR" dirty="0" smtClean="0"/>
+              <a:t> – Hello World</a:t>
+            </a:r>
+            <a:endParaRPr lang="fr-FR" dirty="0"/>
+          </a:p>
+        </p:txBody>
+      </p:sp>
+      <p:pic>
+        <p:nvPicPr>
+          <p:cNvPr id="1026" name="Picture 2"/>
+          <p:cNvPicPr>
+            <a:picLocks noChangeAspect="1" noChangeArrowheads="1"/>
+          </p:cNvPicPr>
+          <p:nvPr/>
+        </p:nvPicPr>
+        <p:blipFill>
+          <a:blip r:embed="rId2">
+            <a:extLst>
+              <a:ext uri="{28A0092B-C50C-407E-A947-70E740481C1C}">
+                <a14:useLocalDpi xmlns:a14="http://schemas.microsoft.com/office/drawing/2010/main" val="0"/>
+              </a:ext>
+            </a:extLst>
+          </a:blip>
+          <a:srcRect/>
+          <a:stretch>
+            <a:fillRect/>
+          </a:stretch>
+        </p:blipFill>
+        <p:spPr bwMode="auto">
+          <a:xfrm>
+            <a:off x="1552575" y="3429000"/>
+            <a:ext cx="6038850" cy="2400300"/>
+          </a:xfrm>
+          <a:prstGeom prst="rect">
+            <a:avLst/>
+          </a:prstGeom>
+          <a:noFill/>
+          <a:ln>
+            <a:noFill/>
+          </a:ln>
+          <a:extLst>
+            <a:ext uri="{909E8E84-426E-40DD-AFC4-6F175D3DCCD1}">
+              <a14:hiddenFill xmlns:a14="http://schemas.microsoft.com/office/drawing/2010/main">
+                <a:solidFill>
+                  <a:schemeClr val="accent1"/>
+                </a:solidFill>
+              </a14:hiddenFill>
+            </a:ext>
+            <a:ext uri="{91240B29-F687-4F45-9708-019B960494DF}">
+              <a14:hiddenLine xmlns:a14="http://schemas.microsoft.com/office/drawing/2010/main" w="9525">
+                <a:solidFill>
+                  <a:schemeClr val="tx1"/>
+                </a:solidFill>
+                <a:miter lim="800000"/>
+                <a:headEnd/>
+                <a:tailEnd/>
+              </a14:hiddenLine>
+            </a:ext>
+          </a:extLst>
+        </p:spPr>
+      </p:pic>
+    </p:spTree>
+    <p:extLst>
+      <p:ext uri="{BB962C8B-B14F-4D97-AF65-F5344CB8AC3E}">
+        <p14:creationId xmlns:p14="http://schemas.microsoft.com/office/powerpoint/2010/main" val="2261037588"/>
+      </p:ext>
+    </p:extLst>
+  </p:cSld>
+  <p:clrMapOvr>
+    <a:masterClrMapping/>
+  </p:clrMapOvr>
+  <p:timing>
+    <p:tnLst>
+      <p:par>
+        <p:cTn id="1" dur="indefinite" restart="never" nodeType="tmRoot"/>
+      </p:par>
+    </p:tnLst>
+  </p:timing>
+</p:sld>
+</file>
+
+<file path=ppt/slides/slide33.xml><?xml version="1.0" encoding="utf-8"?>
+<p:sld xmlns:a="http://schemas.openxmlformats.org/drawingml/2006/main" xmlns:r="http://schemas.openxmlformats.org/officeDocument/2006/relationships" xmlns:p="http://schemas.openxmlformats.org/presentationml/2006/main">
+  <p:cSld>
+    <p:spTree>
+      <p:nvGrpSpPr>
+        <p:cNvPr id="1" name=""/>
+        <p:cNvGrpSpPr/>
+        <p:nvPr/>
+      </p:nvGrpSpPr>
+      <p:grpSpPr>
+        <a:xfrm>
+          <a:off x="0" y="0"/>
+          <a:ext cx="0" cy="0"/>
+          <a:chOff x="0" y="0"/>
+          <a:chExt cx="0" cy="0"/>
+        </a:xfrm>
+      </p:grpSpPr>
+      <p:sp>
+        <p:nvSpPr>
+          <p:cNvPr id="2" name="Espace réservé du contenu 1"/>
+          <p:cNvSpPr>
+            <a:spLocks noGrp="1"/>
+          </p:cNvSpPr>
+          <p:nvPr>
+            <p:ph idx="1"/>
+          </p:nvPr>
+        </p:nvSpPr>
+        <p:spPr>
+          <a:xfrm>
+            <a:off x="3491880" y="1556792"/>
+            <a:ext cx="5266928" cy="4525963"/>
+          </a:xfrm>
+        </p:spPr>
+        <p:txBody>
+          <a:bodyPr>
+            <a:normAutofit/>
+          </a:bodyPr>
+          <a:lstStyle/>
+          <a:p>
+            <a:pPr lvl="5">
+              <a:lnSpc>
+                <a:spcPct val="150000"/>
+              </a:lnSpc>
+            </a:pPr>
+            <a:r>
+              <a:rPr lang="fr-FR" dirty="0" smtClean="0"/>
+              <a:t> Stage « </a:t>
+            </a:r>
+            <a:r>
+              <a:rPr lang="fr-FR" dirty="0" err="1" smtClean="0"/>
+              <a:t>théatre</a:t>
+            </a:r>
+            <a:r>
+              <a:rPr lang="fr-FR" dirty="0" smtClean="0"/>
+              <a:t> » : Lien avec le système de fenêtre de l’OS (taille fenêtre, titre, icone)</a:t>
+            </a:r>
+          </a:p>
+          <a:p>
+            <a:pPr lvl="5">
+              <a:lnSpc>
+                <a:spcPct val="150000"/>
+              </a:lnSpc>
+            </a:pPr>
+            <a:r>
+              <a:rPr lang="fr-FR" dirty="0" err="1" smtClean="0"/>
+              <a:t>Scene</a:t>
+            </a:r>
+            <a:r>
+              <a:rPr lang="fr-FR" dirty="0" smtClean="0"/>
+              <a:t> « décor » : contient tout ce qui s’affiche dans l’application</a:t>
+            </a:r>
+          </a:p>
+          <a:p>
+            <a:pPr lvl="5">
+              <a:lnSpc>
+                <a:spcPct val="150000"/>
+              </a:lnSpc>
+            </a:pPr>
+            <a:r>
+              <a:rPr lang="fr-FR" dirty="0" err="1" smtClean="0"/>
+              <a:t>Node</a:t>
+            </a:r>
+            <a:r>
+              <a:rPr lang="fr-FR" dirty="0" smtClean="0"/>
+              <a:t> « acteurs » : boutons, listes déroulantes, label, </a:t>
+            </a:r>
+            <a:r>
+              <a:rPr lang="fr-FR" dirty="0" err="1" smtClean="0"/>
+              <a:t>layout</a:t>
+            </a:r>
+            <a:endParaRPr lang="fr-FR" sz="1600" dirty="0"/>
+          </a:p>
+          <a:p>
+            <a:pPr lvl="1">
+              <a:lnSpc>
+                <a:spcPct val="150000"/>
+              </a:lnSpc>
+            </a:pPr>
+            <a:endParaRPr lang="fr-FR" sz="1600" dirty="0" smtClean="0"/>
+          </a:p>
+        </p:txBody>
+      </p:sp>
+      <p:sp>
+        <p:nvSpPr>
+          <p:cNvPr id="3" name="Titre 2"/>
+          <p:cNvSpPr>
+            <a:spLocks noGrp="1"/>
+          </p:cNvSpPr>
+          <p:nvPr>
+            <p:ph type="title"/>
+          </p:nvPr>
+        </p:nvSpPr>
+        <p:spPr/>
+        <p:txBody>
+          <a:bodyPr/>
+          <a:lstStyle/>
+          <a:p>
+            <a:r>
+              <a:rPr lang="fr-FR" dirty="0" err="1" smtClean="0"/>
+              <a:t>JavaFX</a:t>
+            </a:r>
+            <a:r>
+              <a:rPr lang="fr-FR" dirty="0" smtClean="0"/>
+              <a:t> – </a:t>
+            </a:r>
+            <a:r>
+              <a:rPr lang="fr-FR" dirty="0" err="1" smtClean="0"/>
+              <a:t>Théatre</a:t>
+            </a:r>
+            <a:endParaRPr lang="fr-FR" dirty="0"/>
+          </a:p>
+        </p:txBody>
+      </p:sp>
+      <p:pic>
+        <p:nvPicPr>
+          <p:cNvPr id="5" name="Picture 2" descr="https://lh6.googleusercontent.com/FssYBSShjR-VrXpMEDWHQwEC6_90_kk4v0qKnl83FJMBQrqqHXI86jGdkPuQ_gBYoabJu8N6W-BXEF41gUyXXxYuI95YgAz7-z-A-fdU5Jfk0ExNS57TpjLHhOqdyHB4cyU8wyIR"/>
+          <p:cNvPicPr>
+            <a:picLocks noChangeAspect="1" noChangeArrowheads="1"/>
+          </p:cNvPicPr>
+          <p:nvPr/>
+        </p:nvPicPr>
+        <p:blipFill>
+          <a:blip r:embed="rId2" cstate="print"/>
+          <a:srcRect/>
+          <a:stretch>
+            <a:fillRect/>
+          </a:stretch>
+        </p:blipFill>
+        <p:spPr bwMode="auto">
+          <a:xfrm>
+            <a:off x="251520" y="1988840"/>
+            <a:ext cx="4608512" cy="3253518"/>
+          </a:xfrm>
+          <a:prstGeom prst="rect">
+            <a:avLst/>
+          </a:prstGeom>
+          <a:noFill/>
+        </p:spPr>
+      </p:pic>
+    </p:spTree>
+    <p:extLst>
+      <p:ext uri="{BB962C8B-B14F-4D97-AF65-F5344CB8AC3E}">
+        <p14:creationId xmlns:p14="http://schemas.microsoft.com/office/powerpoint/2010/main" val="1895775703"/>
+      </p:ext>
+    </p:extLst>
+  </p:cSld>
+  <p:clrMapOvr>
+    <a:masterClrMapping/>
+  </p:clrMapOvr>
+  <p:timing>
+    <p:tnLst>
+      <p:par>
+        <p:cTn id="1" dur="indefinite" restart="never" nodeType="tmRoot"/>
+      </p:par>
+    </p:tnLst>
+  </p:timing>
+</p:sld>
+</file>
+
+<file path=ppt/slides/slide34.xml><?xml version="1.0" encoding="utf-8"?>
+<p:sld xmlns:a="http://schemas.openxmlformats.org/drawingml/2006/main" xmlns:r="http://schemas.openxmlformats.org/officeDocument/2006/relationships" xmlns:p="http://schemas.openxmlformats.org/presentationml/2006/main">
+  <p:cSld>
+    <p:spTree>
+      <p:nvGrpSpPr>
+        <p:cNvPr id="1" name=""/>
+        <p:cNvGrpSpPr/>
+        <p:nvPr/>
+      </p:nvGrpSpPr>
+      <p:grpSpPr>
+        <a:xfrm>
+          <a:off x="0" y="0"/>
+          <a:ext cx="0" cy="0"/>
+          <a:chOff x="0" y="0"/>
+          <a:chExt cx="0" cy="0"/>
+        </a:xfrm>
+      </p:grpSpPr>
+      <p:sp>
+        <p:nvSpPr>
+          <p:cNvPr id="2" name="Espace réservé du contenu 1"/>
+          <p:cNvSpPr>
+            <a:spLocks noGrp="1"/>
+          </p:cNvSpPr>
+          <p:nvPr>
+            <p:ph idx="1"/>
+          </p:nvPr>
+        </p:nvSpPr>
+        <p:spPr/>
+        <p:txBody>
+          <a:bodyPr>
+            <a:normAutofit/>
+          </a:bodyPr>
+          <a:lstStyle/>
+          <a:p>
+            <a:pPr>
+              <a:lnSpc>
+                <a:spcPct val="150000"/>
+              </a:lnSpc>
+            </a:pPr>
+            <a:r>
+              <a:rPr lang="fr-FR" sz="2000" dirty="0" smtClean="0"/>
+              <a:t>Observable : Encapsule une donnée et permet d’observer un changement via un </a:t>
+            </a:r>
+            <a:r>
+              <a:rPr lang="fr-FR" sz="2000" dirty="0" err="1" smtClean="0"/>
+              <a:t>listener</a:t>
+            </a:r>
+            <a:endParaRPr lang="fr-FR" sz="2000" dirty="0" smtClean="0"/>
+          </a:p>
+          <a:p>
+            <a:pPr>
+              <a:lnSpc>
+                <a:spcPct val="150000"/>
+              </a:lnSpc>
+            </a:pPr>
+            <a:r>
+              <a:rPr lang="fr-FR" sz="2000" dirty="0" err="1" smtClean="0"/>
+              <a:t>Listener</a:t>
+            </a:r>
+            <a:r>
+              <a:rPr lang="fr-FR" sz="2000" dirty="0" smtClean="0"/>
+              <a:t> : Interface fonctionnelle (</a:t>
+            </a:r>
+            <a:r>
+              <a:rPr lang="fr-FR" sz="2000" dirty="0" err="1" smtClean="0"/>
+              <a:t>ChangeListener</a:t>
+            </a:r>
+            <a:r>
+              <a:rPr lang="fr-FR" sz="2000" dirty="0" smtClean="0"/>
+              <a:t>, </a:t>
+            </a:r>
+            <a:r>
+              <a:rPr lang="fr-FR" sz="2000" dirty="0" err="1" smtClean="0"/>
+              <a:t>ListChangeListener</a:t>
+            </a:r>
+            <a:r>
+              <a:rPr lang="fr-FR" sz="2000" dirty="0" smtClean="0"/>
+              <a:t>) : traitement spécifique quand il est notifié d’un changement par un Observable</a:t>
+            </a:r>
+          </a:p>
+          <a:p>
+            <a:pPr>
+              <a:lnSpc>
+                <a:spcPct val="150000"/>
+              </a:lnSpc>
+            </a:pPr>
+            <a:r>
+              <a:rPr lang="fr-FR" sz="2000" dirty="0" err="1" smtClean="0"/>
+              <a:t>Property</a:t>
+            </a:r>
+            <a:r>
+              <a:rPr lang="fr-FR" sz="2000" dirty="0" smtClean="0"/>
+              <a:t> (</a:t>
+            </a:r>
+            <a:r>
+              <a:rPr lang="fr-FR" sz="2000" dirty="0" err="1" smtClean="0"/>
+              <a:t>readonly</a:t>
+            </a:r>
+            <a:r>
+              <a:rPr lang="fr-FR" sz="2000" dirty="0" smtClean="0"/>
+              <a:t>, </a:t>
+            </a:r>
+            <a:r>
+              <a:rPr lang="fr-FR" sz="2000" dirty="0" err="1" smtClean="0"/>
+              <a:t>writable</a:t>
+            </a:r>
+            <a:r>
+              <a:rPr lang="fr-FR" sz="2000" dirty="0" smtClean="0"/>
+              <a:t>) : Encapsule une valeur (String, Object, List) -&gt; permet le binding</a:t>
+            </a:r>
+          </a:p>
+          <a:p>
+            <a:pPr>
+              <a:lnSpc>
+                <a:spcPct val="150000"/>
+              </a:lnSpc>
+            </a:pPr>
+            <a:r>
+              <a:rPr lang="fr-FR" sz="2000" dirty="0" smtClean="0"/>
+              <a:t>Binding : Lie deux ou plusieurs valeurs entre elles de façon uni/bidirectionnel</a:t>
+            </a:r>
+          </a:p>
+          <a:p>
+            <a:endParaRPr lang="fr-FR" dirty="0"/>
+          </a:p>
+        </p:txBody>
+      </p:sp>
+      <p:sp>
+        <p:nvSpPr>
+          <p:cNvPr id="3" name="Titre 2"/>
+          <p:cNvSpPr>
+            <a:spLocks noGrp="1"/>
+          </p:cNvSpPr>
+          <p:nvPr>
+            <p:ph type="title"/>
+          </p:nvPr>
+        </p:nvSpPr>
+        <p:spPr/>
+        <p:txBody>
+          <a:bodyPr/>
+          <a:lstStyle/>
+          <a:p>
+            <a:r>
+              <a:rPr lang="fr-FR" dirty="0" err="1" smtClean="0"/>
+              <a:t>JavaFX</a:t>
+            </a:r>
+            <a:r>
+              <a:rPr lang="fr-FR" dirty="0" smtClean="0"/>
+              <a:t> - Fondamentaux</a:t>
+            </a:r>
+            <a:endParaRPr lang="fr-FR" dirty="0"/>
+          </a:p>
+        </p:txBody>
+      </p:sp>
+    </p:spTree>
+    <p:extLst>
+      <p:ext uri="{BB962C8B-B14F-4D97-AF65-F5344CB8AC3E}">
+        <p14:creationId xmlns:p14="http://schemas.microsoft.com/office/powerpoint/2010/main" val="84858266"/>
+      </p:ext>
+    </p:extLst>
+  </p:cSld>
+  <p:clrMapOvr>
+    <a:masterClrMapping/>
+  </p:clrMapOvr>
+  <p:timing>
+    <p:tnLst>
+      <p:par>
+        <p:cTn id="1" dur="indefinite" restart="never" nodeType="tmRoot"/>
+      </p:par>
+    </p:tnLst>
+  </p:timing>
+</p:sld>
+</file>
+
+<file path=ppt/slides/slide35.xml><?xml version="1.0" encoding="utf-8"?>
+<p:sld xmlns:a="http://schemas.openxmlformats.org/drawingml/2006/main" xmlns:r="http://schemas.openxmlformats.org/officeDocument/2006/relationships" xmlns:p="http://schemas.openxmlformats.org/presentationml/2006/main">
+  <p:cSld>
+    <p:spTree>
+      <p:nvGrpSpPr>
+        <p:cNvPr id="1" name=""/>
+        <p:cNvGrpSpPr/>
+        <p:nvPr/>
+      </p:nvGrpSpPr>
+      <p:grpSpPr>
+        <a:xfrm>
+          <a:off x="0" y="0"/>
+          <a:ext cx="0" cy="0"/>
+          <a:chOff x="0" y="0"/>
+          <a:chExt cx="0" cy="0"/>
+        </a:xfrm>
+      </p:grpSpPr>
+      <p:sp>
+        <p:nvSpPr>
+          <p:cNvPr id="2" name="Espace réservé du contenu 1"/>
+          <p:cNvSpPr>
+            <a:spLocks noGrp="1"/>
+          </p:cNvSpPr>
+          <p:nvPr>
+            <p:ph idx="1"/>
+          </p:nvPr>
+        </p:nvSpPr>
+        <p:spPr/>
+        <p:txBody>
+          <a:bodyPr>
+            <a:normAutofit/>
+          </a:bodyPr>
+          <a:lstStyle/>
+          <a:p>
+            <a:pPr>
+              <a:lnSpc>
+                <a:spcPct val="150000"/>
+              </a:lnSpc>
+            </a:pPr>
+            <a:r>
+              <a:rPr lang="fr-FR" sz="2000" dirty="0" smtClean="0"/>
+              <a:t>2 méthodes pour construire une application</a:t>
+            </a:r>
+          </a:p>
+          <a:p>
+            <a:pPr lvl="1">
+              <a:lnSpc>
+                <a:spcPct val="150000"/>
+              </a:lnSpc>
+            </a:pPr>
+            <a:r>
+              <a:rPr lang="fr-FR" sz="1600" dirty="0" smtClean="0"/>
+              <a:t>Full Java via l’API</a:t>
+            </a:r>
+          </a:p>
+          <a:p>
+            <a:pPr lvl="1">
+              <a:lnSpc>
+                <a:spcPct val="150000"/>
+              </a:lnSpc>
+            </a:pPr>
+            <a:endParaRPr lang="fr-FR" sz="1600" dirty="0" smtClean="0"/>
+          </a:p>
+          <a:p>
+            <a:pPr lvl="1">
+              <a:lnSpc>
+                <a:spcPct val="150000"/>
+              </a:lnSpc>
+            </a:pPr>
+            <a:r>
+              <a:rPr lang="fr-FR" sz="1600" dirty="0" smtClean="0"/>
+              <a:t>Mix entre Java et FXML : </a:t>
+            </a:r>
+            <a:r>
+              <a:rPr lang="fr-FR" sz="1600" dirty="0" err="1" smtClean="0"/>
+              <a:t>drag’n’drop</a:t>
+            </a:r>
+            <a:r>
+              <a:rPr lang="fr-FR" sz="1600" dirty="0" smtClean="0"/>
+              <a:t> des composants, binding des contrôleurs par annotation (@FXML)</a:t>
+            </a:r>
+          </a:p>
+          <a:p>
+            <a:endParaRPr lang="fr-FR" dirty="0"/>
+          </a:p>
+        </p:txBody>
+      </p:sp>
+      <p:sp>
+        <p:nvSpPr>
+          <p:cNvPr id="3" name="Titre 2"/>
+          <p:cNvSpPr>
+            <a:spLocks noGrp="1"/>
+          </p:cNvSpPr>
+          <p:nvPr>
+            <p:ph type="title"/>
+          </p:nvPr>
+        </p:nvSpPr>
+        <p:spPr/>
+        <p:txBody>
+          <a:bodyPr/>
+          <a:lstStyle/>
+          <a:p>
+            <a:r>
+              <a:rPr lang="fr-FR" dirty="0" err="1" smtClean="0"/>
+              <a:t>JavaFX</a:t>
+            </a:r>
+            <a:r>
+              <a:rPr lang="fr-FR" dirty="0" smtClean="0"/>
+              <a:t> - Construire</a:t>
+            </a:r>
+            <a:endParaRPr lang="fr-FR" dirty="0"/>
+          </a:p>
+        </p:txBody>
+      </p:sp>
+    </p:spTree>
+    <p:extLst>
+      <p:ext uri="{BB962C8B-B14F-4D97-AF65-F5344CB8AC3E}">
+        <p14:creationId xmlns:p14="http://schemas.microsoft.com/office/powerpoint/2010/main" val="3530095863"/>
+      </p:ext>
+    </p:extLst>
+  </p:cSld>
+  <p:clrMapOvr>
+    <a:masterClrMapping/>
+  </p:clrMapOvr>
+  <p:timing>
+    <p:tnLst>
+      <p:par>
+        <p:cTn id="1" dur="indefinite" restart="never" nodeType="tmRoot"/>
+      </p:par>
+    </p:tnLst>
+  </p:timing>
+</p:sld>
+</file>
+
+<file path=ppt/slides/slide36.xml><?xml version="1.0" encoding="utf-8"?>
+<p:sld xmlns:a="http://schemas.openxmlformats.org/drawingml/2006/main" xmlns:r="http://schemas.openxmlformats.org/officeDocument/2006/relationships" xmlns:p="http://schemas.openxmlformats.org/presentationml/2006/main">
+  <p:cSld>
+    <p:spTree>
+      <p:nvGrpSpPr>
+        <p:cNvPr id="1" name=""/>
+        <p:cNvGrpSpPr/>
+        <p:nvPr/>
+      </p:nvGrpSpPr>
+      <p:grpSpPr>
+        <a:xfrm>
+          <a:off x="0" y="0"/>
+          <a:ext cx="0" cy="0"/>
+          <a:chOff x="0" y="0"/>
+          <a:chExt cx="0" cy="0"/>
+        </a:xfrm>
+      </p:grpSpPr>
+      <p:sp>
+        <p:nvSpPr>
+          <p:cNvPr id="2" name="Espace réservé du contenu 1"/>
+          <p:cNvSpPr>
+            <a:spLocks noGrp="1"/>
+          </p:cNvSpPr>
+          <p:nvPr>
+            <p:ph idx="1"/>
+          </p:nvPr>
+        </p:nvSpPr>
+        <p:spPr/>
+        <p:txBody>
+          <a:bodyPr>
+            <a:normAutofit/>
+          </a:bodyPr>
+          <a:lstStyle/>
+          <a:p>
+            <a:pPr>
+              <a:lnSpc>
+                <a:spcPct val="150000"/>
+              </a:lnSpc>
+            </a:pPr>
+            <a:r>
+              <a:rPr lang="fr-FR" sz="2000" dirty="0" smtClean="0"/>
+              <a:t>3 méthodes</a:t>
+            </a:r>
+          </a:p>
+          <a:p>
+            <a:pPr lvl="1">
+              <a:lnSpc>
+                <a:spcPct val="150000"/>
+              </a:lnSpc>
+            </a:pPr>
+            <a:r>
+              <a:rPr lang="fr-FR" sz="1200" dirty="0" smtClean="0"/>
+              <a:t>API</a:t>
+            </a:r>
+          </a:p>
+          <a:p>
+            <a:pPr lvl="1">
+              <a:lnSpc>
+                <a:spcPct val="150000"/>
+              </a:lnSpc>
+            </a:pPr>
+            <a:endParaRPr lang="fr-FR" sz="1200" dirty="0"/>
+          </a:p>
+          <a:p>
+            <a:pPr lvl="1">
+              <a:lnSpc>
+                <a:spcPct val="150000"/>
+              </a:lnSpc>
+            </a:pPr>
+            <a:r>
+              <a:rPr lang="fr-FR" sz="1200" dirty="0" smtClean="0"/>
+              <a:t>CSS via l’API</a:t>
+            </a:r>
+          </a:p>
+          <a:p>
+            <a:pPr lvl="1">
+              <a:lnSpc>
+                <a:spcPct val="150000"/>
+              </a:lnSpc>
+            </a:pPr>
+            <a:endParaRPr lang="fr-FR" sz="1200" dirty="0"/>
+          </a:p>
+          <a:p>
+            <a:pPr lvl="1">
+              <a:lnSpc>
+                <a:spcPct val="150000"/>
+              </a:lnSpc>
+            </a:pPr>
+            <a:r>
+              <a:rPr lang="fr-FR" sz="1200" dirty="0" smtClean="0"/>
+              <a:t>CSS via feuille de style</a:t>
+            </a:r>
+          </a:p>
+          <a:p>
+            <a:endParaRPr lang="fr-FR" dirty="0"/>
+          </a:p>
+        </p:txBody>
+      </p:sp>
+      <p:sp>
+        <p:nvSpPr>
+          <p:cNvPr id="3" name="Titre 2"/>
+          <p:cNvSpPr>
+            <a:spLocks noGrp="1"/>
+          </p:cNvSpPr>
+          <p:nvPr>
+            <p:ph type="title"/>
+          </p:nvPr>
+        </p:nvSpPr>
+        <p:spPr/>
+        <p:txBody>
+          <a:bodyPr/>
+          <a:lstStyle/>
+          <a:p>
+            <a:r>
+              <a:rPr lang="fr-FR" dirty="0" err="1" smtClean="0"/>
+              <a:t>JavaFX</a:t>
+            </a:r>
+            <a:r>
+              <a:rPr lang="fr-FR" dirty="0" smtClean="0"/>
+              <a:t> – Style/Skin</a:t>
+            </a:r>
+            <a:endParaRPr lang="fr-FR" dirty="0"/>
+          </a:p>
+        </p:txBody>
+      </p:sp>
+    </p:spTree>
+    <p:extLst>
+      <p:ext uri="{BB962C8B-B14F-4D97-AF65-F5344CB8AC3E}">
+        <p14:creationId xmlns:p14="http://schemas.microsoft.com/office/powerpoint/2010/main" val="1959139660"/>
+      </p:ext>
+    </p:extLst>
+  </p:cSld>
+  <p:clrMapOvr>
+    <a:masterClrMapping/>
+  </p:clrMapOvr>
+  <p:timing>
+    <p:tnLst>
+      <p:par>
+        <p:cTn id="1" dur="indefinite" restart="never" nodeType="tmRoot"/>
+      </p:par>
+    </p:tnLst>
+  </p:timing>
+</p:sld>
+</file>
+
+<file path=ppt/slides/slide37.xml><?xml version="1.0" encoding="utf-8"?>
+<p:sld xmlns:a="http://schemas.openxmlformats.org/drawingml/2006/main" xmlns:r="http://schemas.openxmlformats.org/officeDocument/2006/relationships" xmlns:p="http://schemas.openxmlformats.org/presentationml/2006/main">
+  <p:cSld>
+    <p:spTree>
+      <p:nvGrpSpPr>
+        <p:cNvPr id="1" name=""/>
+        <p:cNvGrpSpPr/>
+        <p:nvPr/>
+      </p:nvGrpSpPr>
+      <p:grpSpPr>
+        <a:xfrm>
+          <a:off x="0" y="0"/>
+          <a:ext cx="0" cy="0"/>
+          <a:chOff x="0" y="0"/>
+          <a:chExt cx="0" cy="0"/>
+        </a:xfrm>
+      </p:grpSpPr>
+      <p:sp>
+        <p:nvSpPr>
+          <p:cNvPr id="2" name="Espace réservé du contenu 1"/>
+          <p:cNvSpPr>
+            <a:spLocks noGrp="1"/>
+          </p:cNvSpPr>
+          <p:nvPr>
+            <p:ph idx="1"/>
+          </p:nvPr>
+        </p:nvSpPr>
+        <p:spPr/>
+        <p:txBody>
+          <a:bodyPr/>
+          <a:lstStyle/>
+          <a:p>
+            <a:r>
+              <a:rPr lang="fr-FR" dirty="0" smtClean="0"/>
+              <a:t>Docs sur composants :</a:t>
+            </a:r>
+          </a:p>
+          <a:p>
+            <a:pPr marL="109728" indent="0">
+              <a:buNone/>
+            </a:pPr>
+            <a:r>
+              <a:rPr lang="fr-FR" smtClean="0">
+                <a:hlinkClick r:id="rId2"/>
+              </a:rPr>
+              <a:t>https://docs.oracle.com/javase/8/javase-clienttechnologies.htm</a:t>
+            </a:r>
+            <a:endParaRPr lang="fr-FR" dirty="0" smtClean="0"/>
+          </a:p>
+        </p:txBody>
+      </p:sp>
+      <p:sp>
+        <p:nvSpPr>
+          <p:cNvPr id="3" name="Titre 2"/>
+          <p:cNvSpPr>
+            <a:spLocks noGrp="1"/>
+          </p:cNvSpPr>
+          <p:nvPr>
+            <p:ph type="title"/>
+          </p:nvPr>
+        </p:nvSpPr>
+        <p:spPr/>
+        <p:txBody>
+          <a:bodyPr/>
+          <a:lstStyle/>
+          <a:p>
+            <a:r>
+              <a:rPr lang="fr-FR" dirty="0" err="1" smtClean="0"/>
+              <a:t>JavaFX</a:t>
+            </a:r>
+            <a:endParaRPr lang="fr-FR" dirty="0"/>
+          </a:p>
+        </p:txBody>
+      </p:sp>
+    </p:spTree>
+    <p:extLst>
+      <p:ext uri="{BB962C8B-B14F-4D97-AF65-F5344CB8AC3E}">
+        <p14:creationId xmlns:p14="http://schemas.microsoft.com/office/powerpoint/2010/main" val="2381126344"/>
       </p:ext>
     </p:extLst>
   </p:cSld>
